--- a/ppt/IoT21-MicropythonSerial.pptx
+++ b/ppt/IoT21-MicropythonSerial.pptx
@@ -6037,7 +6037,7 @@
           <a:p>
             <a:r>
               <a:rPr lang="fr-FR" dirty="0"/>
-              <a:t>USB</a:t>
+              <a:t>USB - REPL</a:t>
             </a:r>
           </a:p>
         </p:txBody>
@@ -6086,8 +6086,13 @@
           <a:p>
             <a:r>
               <a:rPr lang="fr-FR" dirty="0"/>
-              <a:t>Il y a un protocole spécial pour l'UART0</a:t>
-            </a:r>
+              <a:t>Il suffit d'utiliser REPL en redirigeant sur </a:t>
+            </a:r>
+            <a:r>
+              <a:rPr lang="fr-FR" dirty="0" err="1"/>
+              <a:t>sys</a:t>
+            </a:r>
+            <a:endParaRPr lang="fr-FR" dirty="0"/>
           </a:p>
           <a:p>
             <a:pPr lvl="1"/>

--- a/ppt/IoT21-MicropythonSerial.pptx
+++ b/ppt/IoT21-MicropythonSerial.pptx
@@ -5,31 +5,32 @@
     <p:sldMasterId id="2147483653" r:id="rId1"/>
   </p:sldMasterIdLst>
   <p:notesMasterIdLst>
-    <p:notesMasterId r:id="rId21"/>
+    <p:notesMasterId r:id="rId22"/>
   </p:notesMasterIdLst>
   <p:handoutMasterIdLst>
-    <p:handoutMasterId r:id="rId22"/>
+    <p:handoutMasterId r:id="rId23"/>
   </p:handoutMasterIdLst>
   <p:sldIdLst>
     <p:sldId id="264" r:id="rId2"/>
     <p:sldId id="270" r:id="rId3"/>
     <p:sldId id="266" r:id="rId4"/>
-    <p:sldId id="267" r:id="rId5"/>
-    <p:sldId id="268" r:id="rId6"/>
-    <p:sldId id="305" r:id="rId7"/>
-    <p:sldId id="303" r:id="rId8"/>
-    <p:sldId id="304" r:id="rId9"/>
-    <p:sldId id="269" r:id="rId10"/>
-    <p:sldId id="302" r:id="rId11"/>
-    <p:sldId id="306" r:id="rId12"/>
-    <p:sldId id="300" r:id="rId13"/>
-    <p:sldId id="301" r:id="rId14"/>
-    <p:sldId id="272" r:id="rId15"/>
-    <p:sldId id="273" r:id="rId16"/>
-    <p:sldId id="276" r:id="rId17"/>
-    <p:sldId id="277" r:id="rId18"/>
-    <p:sldId id="274" r:id="rId19"/>
-    <p:sldId id="275" r:id="rId20"/>
+    <p:sldId id="307" r:id="rId5"/>
+    <p:sldId id="267" r:id="rId6"/>
+    <p:sldId id="268" r:id="rId7"/>
+    <p:sldId id="305" r:id="rId8"/>
+    <p:sldId id="303" r:id="rId9"/>
+    <p:sldId id="304" r:id="rId10"/>
+    <p:sldId id="269" r:id="rId11"/>
+    <p:sldId id="302" r:id="rId12"/>
+    <p:sldId id="306" r:id="rId13"/>
+    <p:sldId id="300" r:id="rId14"/>
+    <p:sldId id="301" r:id="rId15"/>
+    <p:sldId id="272" r:id="rId16"/>
+    <p:sldId id="273" r:id="rId17"/>
+    <p:sldId id="276" r:id="rId18"/>
+    <p:sldId id="277" r:id="rId19"/>
+    <p:sldId id="274" r:id="rId20"/>
+    <p:sldId id="275" r:id="rId21"/>
   </p:sldIdLst>
   <p:sldSz cx="9144000" cy="6858000" type="screen4x3"/>
   <p:notesSz cx="6648450" cy="9782175"/>
@@ -1005,7 +1006,7 @@
               <a:pPr>
                 <a:defRPr/>
               </a:pPr>
-              <a:t>18</a:t>
+              <a:t>19</a:t>
             </a:fld>
             <a:endParaRPr lang="fr-FR"/>
           </a:p>
@@ -3861,6 +3862,164 @@
       </p:grpSpPr>
       <p:sp>
         <p:nvSpPr>
+          <p:cNvPr id="2" name="Titre 1"/>
+          <p:cNvSpPr>
+            <a:spLocks noGrp="1"/>
+          </p:cNvSpPr>
+          <p:nvPr>
+            <p:ph type="title"/>
+          </p:nvPr>
+        </p:nvSpPr>
+        <p:spPr/>
+        <p:txBody>
+          <a:bodyPr/>
+          <a:lstStyle/>
+          <a:p>
+            <a:r>
+              <a:rPr lang="fr-FR" dirty="0"/>
+              <a:t>UART Ecriture</a:t>
+            </a:r>
+          </a:p>
+        </p:txBody>
+      </p:sp>
+      <p:sp>
+        <p:nvSpPr>
+          <p:cNvPr id="3" name="Espace réservé du contenu 2"/>
+          <p:cNvSpPr>
+            <a:spLocks noGrp="1"/>
+          </p:cNvSpPr>
+          <p:nvPr>
+            <p:ph idx="1"/>
+          </p:nvPr>
+        </p:nvSpPr>
+        <p:spPr/>
+        <p:txBody>
+          <a:bodyPr/>
+          <a:lstStyle/>
+          <a:p>
+            <a:r>
+              <a:rPr lang="fr-FR" dirty="0" err="1"/>
+              <a:t>uart.read</a:t>
+            </a:r>
+            <a:r>
+              <a:rPr lang="fr-FR" dirty="0"/>
+              <a:t>()</a:t>
+            </a:r>
+          </a:p>
+          <a:p>
+            <a:pPr lvl="1"/>
+            <a:r>
+              <a:rPr lang="fr-FR" dirty="0"/>
+              <a:t>Lit un octet</a:t>
+            </a:r>
+          </a:p>
+          <a:p>
+            <a:r>
+              <a:rPr lang="fr-FR" dirty="0" err="1"/>
+              <a:t>uart.read</a:t>
+            </a:r>
+            <a:r>
+              <a:rPr lang="fr-FR" dirty="0"/>
+              <a:t>(n)</a:t>
+            </a:r>
+          </a:p>
+          <a:p>
+            <a:pPr lvl="1"/>
+            <a:r>
+              <a:rPr lang="fr-FR" dirty="0"/>
+              <a:t>Lit n octets</a:t>
+            </a:r>
+          </a:p>
+          <a:p>
+            <a:r>
+              <a:rPr lang="fr-FR" dirty="0" err="1"/>
+              <a:t>uart.all</a:t>
+            </a:r>
+            <a:r>
+              <a:rPr lang="fr-FR" dirty="0"/>
+              <a:t>()</a:t>
+            </a:r>
+          </a:p>
+          <a:p>
+            <a:pPr lvl="1"/>
+            <a:r>
+              <a:rPr lang="fr-FR" dirty="0"/>
+              <a:t>Retourne le nombre d'octet en attente, 0 si aucun</a:t>
+            </a:r>
+          </a:p>
+          <a:p>
+            <a:r>
+              <a:rPr lang="fr-FR" dirty="0" err="1"/>
+              <a:t>uart.readline</a:t>
+            </a:r>
+            <a:r>
+              <a:rPr lang="fr-FR" dirty="0"/>
+              <a:t>()</a:t>
+            </a:r>
+          </a:p>
+          <a:p>
+            <a:pPr lvl="1"/>
+            <a:r>
+              <a:rPr lang="fr-FR" dirty="0"/>
+              <a:t>Lit une ligne jusqu'à \n, retournes une liste d'octets</a:t>
+            </a:r>
+          </a:p>
+          <a:p>
+            <a:r>
+              <a:rPr lang="fr-FR" dirty="0" err="1"/>
+              <a:t>decode</a:t>
+            </a:r>
+            <a:r>
+              <a:rPr lang="fr-FR" dirty="0"/>
+              <a:t>()</a:t>
+            </a:r>
+          </a:p>
+          <a:p>
+            <a:pPr lvl="1"/>
+            <a:r>
+              <a:rPr lang="fr-FR" dirty="0"/>
+              <a:t>Convertit des octets en </a:t>
+            </a:r>
+            <a:r>
+              <a:rPr lang="fr-FR" dirty="0" err="1"/>
+              <a:t>str</a:t>
+            </a:r>
+            <a:endParaRPr lang="fr-FR" dirty="0"/>
+          </a:p>
+        </p:txBody>
+      </p:sp>
+    </p:spTree>
+    <p:extLst>
+      <p:ext uri="{BB962C8B-B14F-4D97-AF65-F5344CB8AC3E}">
+        <p14:creationId xmlns:p14="http://schemas.microsoft.com/office/powerpoint/2010/main" val="1815881976"/>
+      </p:ext>
+    </p:extLst>
+  </p:cSld>
+  <p:clrMapOvr>
+    <a:masterClrMapping/>
+  </p:clrMapOvr>
+</p:sld>
+</file>
+
+<file path=ppt/slides/slide11.xml><?xml version="1.0" encoding="utf-8"?>
+<p:sld xmlns:a="http://schemas.openxmlformats.org/drawingml/2006/main" xmlns:r="http://schemas.openxmlformats.org/officeDocument/2006/relationships" xmlns:p="http://schemas.openxmlformats.org/presentationml/2006/main">
+  <p:cSld>
+    <p:spTree>
+      <p:nvGrpSpPr>
+        <p:cNvPr id="1" name=""/>
+        <p:cNvGrpSpPr/>
+        <p:nvPr/>
+      </p:nvGrpSpPr>
+      <p:grpSpPr>
+        <a:xfrm>
+          <a:off x="0" y="0"/>
+          <a:ext cx="0" cy="0"/>
+          <a:chOff x="0" y="0"/>
+          <a:chExt cx="0" cy="0"/>
+        </a:xfrm>
+      </p:grpSpPr>
+      <p:sp>
+        <p:nvSpPr>
           <p:cNvPr id="2" name="Titre 1">
             <a:extLst>
               <a:ext uri="{FF2B5EF4-FFF2-40B4-BE49-F238E27FC236}">
@@ -3953,7 +4112,7 @@
 </p:sld>
 </file>
 
-<file path=ppt/slides/slide11.xml><?xml version="1.0" encoding="utf-8"?>
+<file path=ppt/slides/slide12.xml><?xml version="1.0" encoding="utf-8"?>
 <p:sld xmlns:a="http://schemas.openxmlformats.org/drawingml/2006/main" xmlns:r="http://schemas.openxmlformats.org/officeDocument/2006/relationships" xmlns:p="http://schemas.openxmlformats.org/presentationml/2006/main">
   <p:cSld>
     <p:spTree>
@@ -4145,7 +4304,7 @@
 </p:sld>
 </file>
 
-<file path=ppt/slides/slide12.xml><?xml version="1.0" encoding="utf-8"?>
+<file path=ppt/slides/slide13.xml><?xml version="1.0" encoding="utf-8"?>
 <p:sld xmlns:a="http://schemas.openxmlformats.org/drawingml/2006/main" xmlns:r="http://schemas.openxmlformats.org/officeDocument/2006/relationships" xmlns:p="http://schemas.openxmlformats.org/presentationml/2006/main">
   <p:cSld>
     <p:spTree>
@@ -4285,7 +4444,7 @@
 </p:sld>
 </file>
 
-<file path=ppt/slides/slide13.xml><?xml version="1.0" encoding="utf-8"?>
+<file path=ppt/slides/slide14.xml><?xml version="1.0" encoding="utf-8"?>
 <p:sld xmlns:a="http://schemas.openxmlformats.org/drawingml/2006/main" xmlns:r="http://schemas.openxmlformats.org/officeDocument/2006/relationships" xmlns:p="http://schemas.openxmlformats.org/presentationml/2006/main">
   <p:cSld>
     <p:spTree>
@@ -4415,7 +4574,7 @@
 </p:sld>
 </file>
 
-<file path=ppt/slides/slide14.xml><?xml version="1.0" encoding="utf-8"?>
+<file path=ppt/slides/slide15.xml><?xml version="1.0" encoding="utf-8"?>
 <p:sld xmlns:a="http://schemas.openxmlformats.org/drawingml/2006/main" xmlns:r="http://schemas.openxmlformats.org/officeDocument/2006/relationships" xmlns:p="http://schemas.openxmlformats.org/presentationml/2006/main">
   <p:cSld>
     <p:spTree>
@@ -4542,7 +4701,7 @@
 </p:sld>
 </file>
 
-<file path=ppt/slides/slide15.xml><?xml version="1.0" encoding="utf-8"?>
+<file path=ppt/slides/slide16.xml><?xml version="1.0" encoding="utf-8"?>
 <p:sld xmlns:a="http://schemas.openxmlformats.org/drawingml/2006/main" xmlns:r="http://schemas.openxmlformats.org/officeDocument/2006/relationships" xmlns:p="http://schemas.openxmlformats.org/presentationml/2006/main">
   <p:cSld>
     <p:spTree>
@@ -4713,7 +4872,7 @@
 </p:sld>
 </file>
 
-<file path=ppt/slides/slide16.xml><?xml version="1.0" encoding="utf-8"?>
+<file path=ppt/slides/slide17.xml><?xml version="1.0" encoding="utf-8"?>
 <p:sld xmlns:a="http://schemas.openxmlformats.org/drawingml/2006/main" xmlns:r="http://schemas.openxmlformats.org/officeDocument/2006/relationships" xmlns:p="http://schemas.openxmlformats.org/presentationml/2006/main">
   <p:cSld>
     <p:spTree>
@@ -4833,7 +4992,7 @@
 </p:sld>
 </file>
 
-<file path=ppt/slides/slide17.xml><?xml version="1.0" encoding="utf-8"?>
+<file path=ppt/slides/slide18.xml><?xml version="1.0" encoding="utf-8"?>
 <p:sld xmlns:a="http://schemas.openxmlformats.org/drawingml/2006/main" xmlns:r="http://schemas.openxmlformats.org/officeDocument/2006/relationships" xmlns:p="http://schemas.openxmlformats.org/presentationml/2006/main">
   <p:cSld>
     <p:spTree>
@@ -4942,233 +5101,6 @@
     <p:extLst>
       <p:ext uri="{BB962C8B-B14F-4D97-AF65-F5344CB8AC3E}">
         <p14:creationId xmlns:p14="http://schemas.microsoft.com/office/powerpoint/2010/main" val="3753647615"/>
-      </p:ext>
-    </p:extLst>
-  </p:cSld>
-  <p:clrMapOvr>
-    <a:masterClrMapping/>
-  </p:clrMapOvr>
-</p:sld>
-</file>
-
-<file path=ppt/slides/slide18.xml><?xml version="1.0" encoding="utf-8"?>
-<p:sld xmlns:a="http://schemas.openxmlformats.org/drawingml/2006/main" xmlns:r="http://schemas.openxmlformats.org/officeDocument/2006/relationships" xmlns:p="http://schemas.openxmlformats.org/presentationml/2006/main">
-  <p:cSld>
-    <p:spTree>
-      <p:nvGrpSpPr>
-        <p:cNvPr id="1" name=""/>
-        <p:cNvGrpSpPr/>
-        <p:nvPr/>
-      </p:nvGrpSpPr>
-      <p:grpSpPr>
-        <a:xfrm>
-          <a:off x="0" y="0"/>
-          <a:ext cx="0" cy="0"/>
-          <a:chOff x="0" y="0"/>
-          <a:chExt cx="0" cy="0"/>
-        </a:xfrm>
-      </p:grpSpPr>
-      <p:sp>
-        <p:nvSpPr>
-          <p:cNvPr id="2" name="Titre 1"/>
-          <p:cNvSpPr>
-            <a:spLocks noGrp="1"/>
-          </p:cNvSpPr>
-          <p:nvPr>
-            <p:ph type="title"/>
-          </p:nvPr>
-        </p:nvSpPr>
-        <p:spPr/>
-        <p:txBody>
-          <a:bodyPr/>
-          <a:lstStyle/>
-          <a:p>
-            <a:r>
-              <a:rPr lang="fr-FR" dirty="0"/>
-              <a:t>Exemple Python - USB</a:t>
-            </a:r>
-          </a:p>
-        </p:txBody>
-      </p:sp>
-      <p:sp>
-        <p:nvSpPr>
-          <p:cNvPr id="3" name="Espace réservé du contenu 2"/>
-          <p:cNvSpPr>
-            <a:spLocks noGrp="1"/>
-          </p:cNvSpPr>
-          <p:nvPr>
-            <p:ph idx="1"/>
-          </p:nvPr>
-        </p:nvSpPr>
-        <p:spPr/>
-        <p:txBody>
-          <a:bodyPr/>
-          <a:lstStyle/>
-          <a:p>
-            <a:r>
-              <a:rPr lang="fr-FR" sz="2400" dirty="0"/>
-              <a:t>import serial</a:t>
-            </a:r>
-          </a:p>
-          <a:p>
-            <a:r>
-              <a:rPr lang="fr-FR" sz="2400" dirty="0" err="1"/>
-              <a:t>sock</a:t>
-            </a:r>
-            <a:r>
-              <a:rPr lang="fr-FR" sz="2400" dirty="0"/>
-              <a:t> = </a:t>
-            </a:r>
-            <a:r>
-              <a:rPr lang="fr-FR" sz="2400" dirty="0" err="1"/>
-              <a:t>serial.Serial</a:t>
-            </a:r>
-            <a:r>
-              <a:rPr lang="fr-FR" sz="2400" dirty="0"/>
-              <a:t>("/</a:t>
-            </a:r>
-            <a:r>
-              <a:rPr lang="fr-FR" sz="2400" dirty="0" err="1"/>
-              <a:t>dev</a:t>
-            </a:r>
-            <a:r>
-              <a:rPr lang="fr-FR" sz="2400" dirty="0"/>
-              <a:t>/ttyUSB0")</a:t>
-            </a:r>
-          </a:p>
-          <a:p>
-            <a:pPr lvl="1"/>
-            <a:r>
-              <a:rPr lang="fr-FR" sz="2000" dirty="0"/>
-              <a:t>Ouvre la connexion série</a:t>
-            </a:r>
-          </a:p>
-          <a:p>
-            <a:r>
-              <a:rPr lang="fr-FR" sz="2400" dirty="0"/>
-              <a:t>s = </a:t>
-            </a:r>
-            <a:r>
-              <a:rPr lang="fr-FR" sz="2400" dirty="0" err="1"/>
-              <a:t>sock.read</a:t>
-            </a:r>
-            <a:r>
-              <a:rPr lang="fr-FR" sz="2400" dirty="0"/>
-              <a:t>()</a:t>
-            </a:r>
-          </a:p>
-          <a:p>
-            <a:pPr lvl="1"/>
-            <a:r>
-              <a:rPr lang="fr-FR" sz="2000" dirty="0"/>
-              <a:t>Lit un caractère</a:t>
-            </a:r>
-          </a:p>
-          <a:p>
-            <a:r>
-              <a:rPr lang="fr-FR" sz="2400" dirty="0"/>
-              <a:t>s = </a:t>
-            </a:r>
-            <a:r>
-              <a:rPr lang="fr-FR" sz="2400" dirty="0" err="1"/>
-              <a:t>sock.readline</a:t>
-            </a:r>
-            <a:r>
-              <a:rPr lang="fr-FR" sz="2400" dirty="0"/>
-              <a:t>()</a:t>
-            </a:r>
-          </a:p>
-          <a:p>
-            <a:pPr lvl="1"/>
-            <a:r>
-              <a:rPr lang="fr-FR" sz="2000" dirty="0"/>
-              <a:t>Lit une ligne</a:t>
-            </a:r>
-          </a:p>
-          <a:p>
-            <a:r>
-              <a:rPr lang="fr-FR" sz="2400" dirty="0" err="1"/>
-              <a:t>print</a:t>
-            </a:r>
-            <a:r>
-              <a:rPr lang="fr-FR" sz="2400" dirty="0"/>
-              <a:t>(</a:t>
-            </a:r>
-            <a:r>
-              <a:rPr lang="fr-FR" sz="2400" dirty="0" err="1"/>
-              <a:t>s.decode</a:t>
-            </a:r>
-            <a:r>
-              <a:rPr lang="fr-FR" sz="2400" dirty="0"/>
-              <a:t>())</a:t>
-            </a:r>
-          </a:p>
-          <a:p>
-            <a:pPr lvl="1"/>
-            <a:r>
-              <a:rPr lang="fr-FR" sz="2000" dirty="0"/>
-              <a:t>Transforme les octets en caractères</a:t>
-            </a:r>
-          </a:p>
-          <a:p>
-            <a:r>
-              <a:rPr lang="fr-FR" sz="2400" dirty="0" err="1"/>
-              <a:t>sock.write</a:t>
-            </a:r>
-            <a:r>
-              <a:rPr lang="fr-FR" sz="2400" dirty="0"/>
-              <a:t>("Hello\</a:t>
-            </a:r>
-            <a:r>
-              <a:rPr lang="fr-FR" sz="2400" dirty="0" err="1"/>
-              <a:t>n".encode</a:t>
-            </a:r>
-            <a:r>
-              <a:rPr lang="fr-FR" sz="2400" dirty="0"/>
-              <a:t>())</a:t>
-            </a:r>
-          </a:p>
-          <a:p>
-            <a:pPr lvl="1"/>
-            <a:r>
-              <a:rPr lang="fr-FR" sz="2000" dirty="0"/>
-              <a:t>Ecrit une </a:t>
-            </a:r>
-            <a:r>
-              <a:rPr lang="fr-FR" sz="2000"/>
-              <a:t>chaine transformée </a:t>
-            </a:r>
-            <a:r>
-              <a:rPr lang="fr-FR" sz="2000" dirty="0"/>
-              <a:t>en octets</a:t>
-            </a:r>
-          </a:p>
-          <a:p>
-            <a:r>
-              <a:rPr lang="fr-FR" sz="2400" dirty="0" err="1"/>
-              <a:t>sock.close</a:t>
-            </a:r>
-            <a:r>
-              <a:rPr lang="fr-FR" sz="2400" dirty="0"/>
-              <a:t>()</a:t>
-            </a:r>
-          </a:p>
-          <a:p>
-            <a:pPr lvl="1"/>
-            <a:r>
-              <a:rPr lang="fr-FR" sz="2000" dirty="0"/>
-              <a:t>Ferme la liaison</a:t>
-            </a:r>
-          </a:p>
-          <a:p>
-            <a:endParaRPr lang="fr-FR" sz="2400" dirty="0"/>
-          </a:p>
-        </p:txBody>
-      </p:sp>
-    </p:spTree>
-    <p:extLst>
-      <p:ext uri="{BB962C8B-B14F-4D97-AF65-F5344CB8AC3E}">
-        <p14:creationId xmlns:p14="http://schemas.microsoft.com/office/powerpoint/2010/main" val="2563558938"/>
       </p:ext>
     </p:extLst>
   </p:cSld>
@@ -5211,12 +5143,8 @@
           <a:lstStyle/>
           <a:p>
             <a:r>
-              <a:rPr lang="fr-FR" dirty="0" err="1"/>
-              <a:t>Raspberry</a:t>
-            </a:r>
-            <a:r>
-              <a:rPr lang="fr-FR" dirty="0"/>
-              <a:t> RS232</a:t>
+              <a:rPr lang="fr-FR" dirty="0"/>
+              <a:t>Exemple Python - USB</a:t>
             </a:r>
           </a:p>
         </p:txBody>
@@ -5237,74 +5165,169 @@
           <a:lstStyle/>
           <a:p>
             <a:r>
-              <a:rPr lang="fr-FR" dirty="0"/>
-              <a:t>L'adjonction d'un câble USB - RS232 permet de dialoguer en RS232</a:t>
-            </a:r>
-          </a:p>
-          <a:p>
-            <a:r>
-              <a:rPr lang="fr-FR" dirty="0"/>
-              <a:t>Il est possible de fixer les noms des </a:t>
-            </a:r>
-            <a:r>
-              <a:rPr lang="fr-FR" dirty="0" err="1"/>
-              <a:t>devices</a:t>
-            </a:r>
-            <a:r>
-              <a:rPr lang="fr-FR" dirty="0"/>
-              <a:t> USB dans ce fichier</a:t>
-            </a:r>
+              <a:rPr lang="fr-FR" sz="2400" dirty="0"/>
+              <a:t>import serial</a:t>
+            </a:r>
+          </a:p>
+          <a:p>
+            <a:r>
+              <a:rPr lang="fr-FR" sz="2400" dirty="0" err="1"/>
+              <a:t>sock</a:t>
+            </a:r>
+            <a:r>
+              <a:rPr lang="fr-FR" sz="2400" dirty="0"/>
+              <a:t> = </a:t>
+            </a:r>
+            <a:r>
+              <a:rPr lang="fr-FR" sz="2400" dirty="0" err="1"/>
+              <a:t>serial.Serial</a:t>
+            </a:r>
+            <a:r>
+              <a:rPr lang="fr-FR" sz="2400" dirty="0"/>
+              <a:t>("/</a:t>
+            </a:r>
+            <a:r>
+              <a:rPr lang="fr-FR" sz="2400" dirty="0" err="1"/>
+              <a:t>dev</a:t>
+            </a:r>
+            <a:r>
+              <a:rPr lang="fr-FR" sz="2400" dirty="0"/>
+              <a:t>/ttyUSB0")</a:t>
+            </a:r>
+          </a:p>
+          <a:p>
+            <a:pPr lvl="1"/>
+            <a:r>
+              <a:rPr lang="fr-FR" sz="2000" dirty="0"/>
+              <a:t>Ouvre la connexion série</a:t>
+            </a:r>
+          </a:p>
+          <a:p>
+            <a:r>
+              <a:rPr lang="fr-FR" sz="2400" dirty="0"/>
+              <a:t>s = </a:t>
+            </a:r>
+            <a:r>
+              <a:rPr lang="fr-FR" sz="2400" dirty="0" err="1"/>
+              <a:t>sock.read</a:t>
+            </a:r>
+            <a:r>
+              <a:rPr lang="fr-FR" sz="2400" dirty="0"/>
+              <a:t>()</a:t>
+            </a:r>
+          </a:p>
+          <a:p>
+            <a:pPr lvl="1"/>
+            <a:r>
+              <a:rPr lang="fr-FR" sz="2000" dirty="0"/>
+              <a:t>Lit un caractère</a:t>
+            </a:r>
+          </a:p>
+          <a:p>
+            <a:r>
+              <a:rPr lang="fr-FR" sz="2400" dirty="0"/>
+              <a:t>s = </a:t>
+            </a:r>
+            <a:r>
+              <a:rPr lang="fr-FR" sz="2400" dirty="0" err="1"/>
+              <a:t>sock.readline</a:t>
+            </a:r>
+            <a:r>
+              <a:rPr lang="fr-FR" sz="2400" dirty="0"/>
+              <a:t>()</a:t>
+            </a:r>
+          </a:p>
+          <a:p>
+            <a:pPr lvl="1"/>
+            <a:r>
+              <a:rPr lang="fr-FR" sz="2000" dirty="0"/>
+              <a:t>Lit une ligne</a:t>
+            </a:r>
+          </a:p>
+          <a:p>
+            <a:r>
+              <a:rPr lang="fr-FR" sz="2400" dirty="0" err="1"/>
+              <a:t>print</a:t>
+            </a:r>
+            <a:r>
+              <a:rPr lang="fr-FR" sz="2400" dirty="0"/>
+              <a:t>(</a:t>
+            </a:r>
+            <a:r>
+              <a:rPr lang="fr-FR" sz="2400" dirty="0" err="1"/>
+              <a:t>s.decode</a:t>
+            </a:r>
+            <a:r>
+              <a:rPr lang="fr-FR" sz="2400" dirty="0"/>
+              <a:t>())</a:t>
+            </a:r>
+          </a:p>
+          <a:p>
+            <a:pPr lvl="1"/>
+            <a:r>
+              <a:rPr lang="fr-FR" sz="2000" dirty="0"/>
+              <a:t>Transforme les octets en caractères</a:t>
+            </a:r>
+          </a:p>
+          <a:p>
+            <a:r>
+              <a:rPr lang="fr-FR" sz="2400" dirty="0" err="1"/>
+              <a:t>sock.write</a:t>
+            </a:r>
+            <a:r>
+              <a:rPr lang="fr-FR" sz="2400" dirty="0"/>
+              <a:t>("Hello\</a:t>
+            </a:r>
+            <a:r>
+              <a:rPr lang="fr-FR" sz="2400" dirty="0" err="1"/>
+              <a:t>n".encode</a:t>
+            </a:r>
+            <a:r>
+              <a:rPr lang="fr-FR" sz="2400" dirty="0"/>
+              <a:t>())</a:t>
+            </a:r>
+          </a:p>
+          <a:p>
+            <a:pPr lvl="1"/>
+            <a:r>
+              <a:rPr lang="fr-FR" sz="2000" dirty="0"/>
+              <a:t>Ecrit une </a:t>
+            </a:r>
+            <a:r>
+              <a:rPr lang="fr-FR" sz="2000"/>
+              <a:t>chaine transformée </a:t>
+            </a:r>
+            <a:r>
+              <a:rPr lang="fr-FR" sz="2000" dirty="0"/>
+              <a:t>en octets</a:t>
+            </a:r>
+          </a:p>
+          <a:p>
+            <a:r>
+              <a:rPr lang="fr-FR" sz="2400" dirty="0" err="1"/>
+              <a:t>sock.close</a:t>
+            </a:r>
+            <a:r>
+              <a:rPr lang="fr-FR" sz="2400" dirty="0"/>
+              <a:t>()</a:t>
+            </a:r>
+          </a:p>
+          <a:p>
+            <a:pPr lvl="1"/>
+            <a:r>
+              <a:rPr lang="fr-FR" sz="2000" dirty="0"/>
+              <a:t>Ferme la liaison</a:t>
+            </a:r>
+          </a:p>
+          <a:p>
+            <a:endParaRPr lang="fr-FR" sz="2400" dirty="0"/>
           </a:p>
         </p:txBody>
       </p:sp>
-      <p:pic>
-        <p:nvPicPr>
-          <p:cNvPr id="4" name="Image 3"/>
-          <p:cNvPicPr/>
-          <p:nvPr/>
-        </p:nvPicPr>
-        <p:blipFill>
-          <a:blip r:embed="rId2"/>
-          <a:stretch>
-            <a:fillRect/>
-          </a:stretch>
-        </p:blipFill>
-        <p:spPr>
-          <a:xfrm>
-            <a:off x="5566362" y="3068960"/>
-            <a:ext cx="3096344" cy="2563825"/>
-          </a:xfrm>
-          <a:prstGeom prst="rect">
-            <a:avLst/>
-          </a:prstGeom>
-        </p:spPr>
-      </p:pic>
-      <p:pic>
-        <p:nvPicPr>
-          <p:cNvPr id="5" name="Image 4"/>
-          <p:cNvPicPr/>
-          <p:nvPr/>
-        </p:nvPicPr>
-        <p:blipFill>
-          <a:blip r:embed="rId3"/>
-          <a:stretch>
-            <a:fillRect/>
-          </a:stretch>
-        </p:blipFill>
-        <p:spPr>
-          <a:xfrm>
-            <a:off x="0" y="3362160"/>
-            <a:ext cx="5283506" cy="3520676"/>
-          </a:xfrm>
-          <a:prstGeom prst="rect">
-            <a:avLst/>
-          </a:prstGeom>
-        </p:spPr>
-      </p:pic>
     </p:spTree>
     <p:extLst>
       <p:ext uri="{BB962C8B-B14F-4D97-AF65-F5344CB8AC3E}">
-        <p14:creationId xmlns:p14="http://schemas.microsoft.com/office/powerpoint/2010/main" val="1236451097"/>
+        <p14:creationId xmlns:p14="http://schemas.microsoft.com/office/powerpoint/2010/main" val="2563558938"/>
       </p:ext>
     </p:extLst>
   </p:cSld>
@@ -5515,6 +5538,142 @@
 </p:sld>
 </file>
 
+<file path=ppt/slides/slide20.xml><?xml version="1.0" encoding="utf-8"?>
+<p:sld xmlns:a="http://schemas.openxmlformats.org/drawingml/2006/main" xmlns:r="http://schemas.openxmlformats.org/officeDocument/2006/relationships" xmlns:p="http://schemas.openxmlformats.org/presentationml/2006/main">
+  <p:cSld>
+    <p:spTree>
+      <p:nvGrpSpPr>
+        <p:cNvPr id="1" name=""/>
+        <p:cNvGrpSpPr/>
+        <p:nvPr/>
+      </p:nvGrpSpPr>
+      <p:grpSpPr>
+        <a:xfrm>
+          <a:off x="0" y="0"/>
+          <a:ext cx="0" cy="0"/>
+          <a:chOff x="0" y="0"/>
+          <a:chExt cx="0" cy="0"/>
+        </a:xfrm>
+      </p:grpSpPr>
+      <p:sp>
+        <p:nvSpPr>
+          <p:cNvPr id="2" name="Titre 1"/>
+          <p:cNvSpPr>
+            <a:spLocks noGrp="1"/>
+          </p:cNvSpPr>
+          <p:nvPr>
+            <p:ph type="title"/>
+          </p:nvPr>
+        </p:nvSpPr>
+        <p:spPr/>
+        <p:txBody>
+          <a:bodyPr/>
+          <a:lstStyle/>
+          <a:p>
+            <a:r>
+              <a:rPr lang="fr-FR" dirty="0" err="1"/>
+              <a:t>Raspberry</a:t>
+            </a:r>
+            <a:r>
+              <a:rPr lang="fr-FR" dirty="0"/>
+              <a:t> RS232</a:t>
+            </a:r>
+          </a:p>
+        </p:txBody>
+      </p:sp>
+      <p:sp>
+        <p:nvSpPr>
+          <p:cNvPr id="3" name="Espace réservé du contenu 2"/>
+          <p:cNvSpPr>
+            <a:spLocks noGrp="1"/>
+          </p:cNvSpPr>
+          <p:nvPr>
+            <p:ph idx="1"/>
+          </p:nvPr>
+        </p:nvSpPr>
+        <p:spPr/>
+        <p:txBody>
+          <a:bodyPr/>
+          <a:lstStyle/>
+          <a:p>
+            <a:r>
+              <a:rPr lang="fr-FR" dirty="0"/>
+              <a:t>L'adjonction d'un câble USB - RS232 permet de dialoguer en RS232</a:t>
+            </a:r>
+          </a:p>
+          <a:p>
+            <a:r>
+              <a:rPr lang="fr-FR" dirty="0"/>
+              <a:t>Il est possible de fixer les noms des </a:t>
+            </a:r>
+            <a:r>
+              <a:rPr lang="fr-FR" dirty="0" err="1"/>
+              <a:t>devices</a:t>
+            </a:r>
+            <a:r>
+              <a:rPr lang="fr-FR" dirty="0"/>
+              <a:t> USB dans ce fichier</a:t>
+            </a:r>
+          </a:p>
+        </p:txBody>
+      </p:sp>
+      <p:pic>
+        <p:nvPicPr>
+          <p:cNvPr id="4" name="Image 3"/>
+          <p:cNvPicPr/>
+          <p:nvPr/>
+        </p:nvPicPr>
+        <p:blipFill>
+          <a:blip r:embed="rId2"/>
+          <a:stretch>
+            <a:fillRect/>
+          </a:stretch>
+        </p:blipFill>
+        <p:spPr>
+          <a:xfrm>
+            <a:off x="5566362" y="3068960"/>
+            <a:ext cx="3096344" cy="2563825"/>
+          </a:xfrm>
+          <a:prstGeom prst="rect">
+            <a:avLst/>
+          </a:prstGeom>
+        </p:spPr>
+      </p:pic>
+      <p:pic>
+        <p:nvPicPr>
+          <p:cNvPr id="5" name="Image 4"/>
+          <p:cNvPicPr/>
+          <p:nvPr/>
+        </p:nvPicPr>
+        <p:blipFill>
+          <a:blip r:embed="rId3"/>
+          <a:stretch>
+            <a:fillRect/>
+          </a:stretch>
+        </p:blipFill>
+        <p:spPr>
+          <a:xfrm>
+            <a:off x="0" y="3362160"/>
+            <a:ext cx="5283506" cy="3520676"/>
+          </a:xfrm>
+          <a:prstGeom prst="rect">
+            <a:avLst/>
+          </a:prstGeom>
+        </p:spPr>
+      </p:pic>
+    </p:spTree>
+    <p:extLst>
+      <p:ext uri="{BB962C8B-B14F-4D97-AF65-F5344CB8AC3E}">
+        <p14:creationId xmlns:p14="http://schemas.microsoft.com/office/powerpoint/2010/main" val="1236451097"/>
+      </p:ext>
+    </p:extLst>
+  </p:cSld>
+  <p:clrMapOvr>
+    <a:masterClrMapping/>
+  </p:clrMapOvr>
+</p:sld>
+</file>
+
 <file path=ppt/slides/slide3.xml><?xml version="1.0" encoding="utf-8"?>
 <p:sld xmlns:a="http://schemas.openxmlformats.org/drawingml/2006/main" xmlns:r="http://schemas.openxmlformats.org/officeDocument/2006/relationships" xmlns:p="http://schemas.openxmlformats.org/presentationml/2006/main">
   <p:cSld>
@@ -5611,6 +5770,177 @@
 </file>
 
 <file path=ppt/slides/slide4.xml><?xml version="1.0" encoding="utf-8"?>
+<p:sld xmlns:a="http://schemas.openxmlformats.org/drawingml/2006/main" xmlns:r="http://schemas.openxmlformats.org/officeDocument/2006/relationships" xmlns:p="http://schemas.openxmlformats.org/presentationml/2006/main">
+  <p:cSld>
+    <p:spTree>
+      <p:nvGrpSpPr>
+        <p:cNvPr id="1" name=""/>
+        <p:cNvGrpSpPr/>
+        <p:nvPr/>
+      </p:nvGrpSpPr>
+      <p:grpSpPr>
+        <a:xfrm>
+          <a:off x="0" y="0"/>
+          <a:ext cx="0" cy="0"/>
+          <a:chOff x="0" y="0"/>
+          <a:chExt cx="0" cy="0"/>
+        </a:xfrm>
+      </p:grpSpPr>
+      <p:sp>
+        <p:nvSpPr>
+          <p:cNvPr id="2" name="Titre 1">
+            <a:extLst>
+              <a:ext uri="{FF2B5EF4-FFF2-40B4-BE49-F238E27FC236}">
+                <a16:creationId xmlns:a16="http://schemas.microsoft.com/office/drawing/2014/main" id="{77E5BFA9-F9C0-4248-9773-EDDBF32E8FDA}"/>
+              </a:ext>
+            </a:extLst>
+          </p:cNvPr>
+          <p:cNvSpPr>
+            <a:spLocks noGrp="1"/>
+          </p:cNvSpPr>
+          <p:nvPr>
+            <p:ph type="title"/>
+          </p:nvPr>
+        </p:nvSpPr>
+        <p:spPr/>
+        <p:txBody>
+          <a:bodyPr/>
+          <a:lstStyle/>
+          <a:p>
+            <a:r>
+              <a:rPr lang="fr-FR" dirty="0"/>
+              <a:t>TTL</a:t>
+            </a:r>
+          </a:p>
+        </p:txBody>
+      </p:sp>
+      <p:sp>
+        <p:nvSpPr>
+          <p:cNvPr id="3" name="Espace réservé du contenu 2">
+            <a:extLst>
+              <a:ext uri="{FF2B5EF4-FFF2-40B4-BE49-F238E27FC236}">
+                <a16:creationId xmlns:a16="http://schemas.microsoft.com/office/drawing/2014/main" id="{C320A0AB-99C9-0962-96DE-4D4262C65A35}"/>
+              </a:ext>
+            </a:extLst>
+          </p:cNvPr>
+          <p:cNvSpPr>
+            <a:spLocks noGrp="1"/>
+          </p:cNvSpPr>
+          <p:nvPr>
+            <p:ph idx="1"/>
+          </p:nvPr>
+        </p:nvSpPr>
+        <p:spPr/>
+        <p:txBody>
+          <a:bodyPr/>
+          <a:lstStyle/>
+          <a:p>
+            <a:r>
+              <a:rPr lang="fr-FR" dirty="0"/>
+              <a:t>Les liaisons séries sont TTL 5v</a:t>
+            </a:r>
+          </a:p>
+          <a:p>
+            <a:pPr lvl="1"/>
+            <a:r>
+              <a:rPr lang="fr-FR" dirty="0"/>
+              <a:t>Le matériel moderne est très tolérant au 3.3v</a:t>
+            </a:r>
+          </a:p>
+          <a:p>
+            <a:pPr lvl="1"/>
+            <a:r>
+              <a:rPr lang="fr-FR" dirty="0"/>
+              <a:t>RS232 est moins tolérant</a:t>
+            </a:r>
+          </a:p>
+          <a:p>
+            <a:pPr lvl="1"/>
+            <a:r>
+              <a:rPr lang="fr-FR" dirty="0"/>
+              <a:t>Par sécurité il peut être utile d'utiliser un LLC 3.3v 5v</a:t>
+            </a:r>
+          </a:p>
+          <a:p>
+            <a:pPr lvl="1"/>
+            <a:endParaRPr lang="fr-FR" dirty="0"/>
+          </a:p>
+        </p:txBody>
+      </p:sp>
+      <p:pic>
+        <p:nvPicPr>
+          <p:cNvPr id="4" name="Image 3">
+            <a:extLst>
+              <a:ext uri="{FF2B5EF4-FFF2-40B4-BE49-F238E27FC236}">
+                <a16:creationId xmlns:a16="http://schemas.microsoft.com/office/drawing/2014/main" id="{4FD228AB-43C9-AF0F-3F4E-5D6B93547FA4}"/>
+              </a:ext>
+            </a:extLst>
+          </p:cNvPr>
+          <p:cNvPicPr>
+            <a:picLocks noChangeAspect="1"/>
+          </p:cNvPicPr>
+          <p:nvPr/>
+        </p:nvPicPr>
+        <p:blipFill>
+          <a:blip r:embed="rId2"/>
+          <a:stretch>
+            <a:fillRect/>
+          </a:stretch>
+        </p:blipFill>
+        <p:spPr>
+          <a:xfrm>
+            <a:off x="684433" y="3366462"/>
+            <a:ext cx="3025379" cy="2285316"/>
+          </a:xfrm>
+          <a:prstGeom prst="rect">
+            <a:avLst/>
+          </a:prstGeom>
+        </p:spPr>
+      </p:pic>
+      <p:pic>
+        <p:nvPicPr>
+          <p:cNvPr id="5" name="Image 4">
+            <a:extLst>
+              <a:ext uri="{FF2B5EF4-FFF2-40B4-BE49-F238E27FC236}">
+                <a16:creationId xmlns:a16="http://schemas.microsoft.com/office/drawing/2014/main" id="{33248F95-04DD-6D8E-118F-9DCEB08D58DB}"/>
+              </a:ext>
+            </a:extLst>
+          </p:cNvPr>
+          <p:cNvPicPr>
+            <a:picLocks noChangeAspect="1"/>
+          </p:cNvPicPr>
+          <p:nvPr/>
+        </p:nvPicPr>
+        <p:blipFill>
+          <a:blip r:embed="rId3"/>
+          <a:stretch>
+            <a:fillRect/>
+          </a:stretch>
+        </p:blipFill>
+        <p:spPr>
+          <a:xfrm>
+            <a:off x="4562537" y="3948263"/>
+            <a:ext cx="3517739" cy="1362961"/>
+          </a:xfrm>
+          <a:prstGeom prst="rect">
+            <a:avLst/>
+          </a:prstGeom>
+        </p:spPr>
+      </p:pic>
+    </p:spTree>
+    <p:extLst>
+      <p:ext uri="{BB962C8B-B14F-4D97-AF65-F5344CB8AC3E}">
+        <p14:creationId xmlns:p14="http://schemas.microsoft.com/office/powerpoint/2010/main" val="763955340"/>
+      </p:ext>
+    </p:extLst>
+  </p:cSld>
+  <p:clrMapOvr>
+    <a:masterClrMapping/>
+  </p:clrMapOvr>
+</p:sld>
+</file>
+
+<file path=ppt/slides/slide5.xml><?xml version="1.0" encoding="utf-8"?>
 <p:sld xmlns:a="http://schemas.openxmlformats.org/drawingml/2006/main" xmlns:r="http://schemas.openxmlformats.org/officeDocument/2006/relationships" xmlns:p="http://schemas.openxmlformats.org/presentationml/2006/main">
   <p:cSld>
     <p:spTree>
@@ -5809,7 +6139,7 @@
 </p:sld>
 </file>
 
-<file path=ppt/slides/slide5.xml><?xml version="1.0" encoding="utf-8"?>
+<file path=ppt/slides/slide6.xml><?xml version="1.0" encoding="utf-8"?>
 <p:sld xmlns:a="http://schemas.openxmlformats.org/drawingml/2006/main" xmlns:r="http://schemas.openxmlformats.org/officeDocument/2006/relationships" xmlns:p="http://schemas.openxmlformats.org/presentationml/2006/main">
   <p:cSld>
     <p:spTree>
@@ -5997,7 +6327,7 @@
 </p:sld>
 </file>
 
-<file path=ppt/slides/slide6.xml><?xml version="1.0" encoding="utf-8"?>
+<file path=ppt/slides/slide7.xml><?xml version="1.0" encoding="utf-8"?>
 <p:sld xmlns:a="http://schemas.openxmlformats.org/drawingml/2006/main" xmlns:r="http://schemas.openxmlformats.org/officeDocument/2006/relationships" xmlns:p="http://schemas.openxmlformats.org/presentationml/2006/main">
   <p:cSld>
     <p:spTree>
@@ -6252,7 +6582,7 @@
 </p:sld>
 </file>
 
-<file path=ppt/slides/slide7.xml><?xml version="1.0" encoding="utf-8"?>
+<file path=ppt/slides/slide8.xml><?xml version="1.0" encoding="utf-8"?>
 <p:sld xmlns:a="http://schemas.openxmlformats.org/drawingml/2006/main" xmlns:r="http://schemas.openxmlformats.org/officeDocument/2006/relationships" xmlns:p="http://schemas.openxmlformats.org/presentationml/2006/main">
   <p:cSld>
     <p:spTree>
@@ -6495,7 +6825,7 @@
 </p:sld>
 </file>
 
-<file path=ppt/slides/slide8.xml><?xml version="1.0" encoding="utf-8"?>
+<file path=ppt/slides/slide9.xml><?xml version="1.0" encoding="utf-8"?>
 <p:sld xmlns:a="http://schemas.openxmlformats.org/drawingml/2006/main" xmlns:r="http://schemas.openxmlformats.org/officeDocument/2006/relationships" xmlns:p="http://schemas.openxmlformats.org/presentationml/2006/main">
   <p:cSld>
     <p:spTree>
@@ -6600,164 +6930,6 @@
     <p:extLst>
       <p:ext uri="{BB962C8B-B14F-4D97-AF65-F5344CB8AC3E}">
         <p14:creationId xmlns:p14="http://schemas.microsoft.com/office/powerpoint/2010/main" val="669782782"/>
-      </p:ext>
-    </p:extLst>
-  </p:cSld>
-  <p:clrMapOvr>
-    <a:masterClrMapping/>
-  </p:clrMapOvr>
-</p:sld>
-</file>
-
-<file path=ppt/slides/slide9.xml><?xml version="1.0" encoding="utf-8"?>
-<p:sld xmlns:a="http://schemas.openxmlformats.org/drawingml/2006/main" xmlns:r="http://schemas.openxmlformats.org/officeDocument/2006/relationships" xmlns:p="http://schemas.openxmlformats.org/presentationml/2006/main">
-  <p:cSld>
-    <p:spTree>
-      <p:nvGrpSpPr>
-        <p:cNvPr id="1" name=""/>
-        <p:cNvGrpSpPr/>
-        <p:nvPr/>
-      </p:nvGrpSpPr>
-      <p:grpSpPr>
-        <a:xfrm>
-          <a:off x="0" y="0"/>
-          <a:ext cx="0" cy="0"/>
-          <a:chOff x="0" y="0"/>
-          <a:chExt cx="0" cy="0"/>
-        </a:xfrm>
-      </p:grpSpPr>
-      <p:sp>
-        <p:nvSpPr>
-          <p:cNvPr id="2" name="Titre 1"/>
-          <p:cNvSpPr>
-            <a:spLocks noGrp="1"/>
-          </p:cNvSpPr>
-          <p:nvPr>
-            <p:ph type="title"/>
-          </p:nvPr>
-        </p:nvSpPr>
-        <p:spPr/>
-        <p:txBody>
-          <a:bodyPr/>
-          <a:lstStyle/>
-          <a:p>
-            <a:r>
-              <a:rPr lang="fr-FR" dirty="0"/>
-              <a:t>UART Ecriture</a:t>
-            </a:r>
-          </a:p>
-        </p:txBody>
-      </p:sp>
-      <p:sp>
-        <p:nvSpPr>
-          <p:cNvPr id="3" name="Espace réservé du contenu 2"/>
-          <p:cNvSpPr>
-            <a:spLocks noGrp="1"/>
-          </p:cNvSpPr>
-          <p:nvPr>
-            <p:ph idx="1"/>
-          </p:nvPr>
-        </p:nvSpPr>
-        <p:spPr/>
-        <p:txBody>
-          <a:bodyPr/>
-          <a:lstStyle/>
-          <a:p>
-            <a:r>
-              <a:rPr lang="fr-FR" dirty="0" err="1"/>
-              <a:t>uart.read</a:t>
-            </a:r>
-            <a:r>
-              <a:rPr lang="fr-FR" dirty="0"/>
-              <a:t>()</a:t>
-            </a:r>
-          </a:p>
-          <a:p>
-            <a:pPr lvl="1"/>
-            <a:r>
-              <a:rPr lang="fr-FR" dirty="0"/>
-              <a:t>Lit un octet</a:t>
-            </a:r>
-          </a:p>
-          <a:p>
-            <a:r>
-              <a:rPr lang="fr-FR" dirty="0" err="1"/>
-              <a:t>uart.read</a:t>
-            </a:r>
-            <a:r>
-              <a:rPr lang="fr-FR" dirty="0"/>
-              <a:t>(n)</a:t>
-            </a:r>
-          </a:p>
-          <a:p>
-            <a:pPr lvl="1"/>
-            <a:r>
-              <a:rPr lang="fr-FR" dirty="0"/>
-              <a:t>Lit n octets</a:t>
-            </a:r>
-          </a:p>
-          <a:p>
-            <a:r>
-              <a:rPr lang="fr-FR" dirty="0" err="1"/>
-              <a:t>uart.all</a:t>
-            </a:r>
-            <a:r>
-              <a:rPr lang="fr-FR" dirty="0"/>
-              <a:t>()</a:t>
-            </a:r>
-          </a:p>
-          <a:p>
-            <a:pPr lvl="1"/>
-            <a:r>
-              <a:rPr lang="fr-FR" dirty="0"/>
-              <a:t>Retourne le nombre d'octet en attente, 0 si aucun</a:t>
-            </a:r>
-          </a:p>
-          <a:p>
-            <a:r>
-              <a:rPr lang="fr-FR" dirty="0" err="1"/>
-              <a:t>uart.readline</a:t>
-            </a:r>
-            <a:r>
-              <a:rPr lang="fr-FR" dirty="0"/>
-              <a:t>()</a:t>
-            </a:r>
-          </a:p>
-          <a:p>
-            <a:pPr lvl="1"/>
-            <a:r>
-              <a:rPr lang="fr-FR" dirty="0"/>
-              <a:t>Lit une ligne jusqu'à \n, retournes une liste d'octets</a:t>
-            </a:r>
-          </a:p>
-          <a:p>
-            <a:r>
-              <a:rPr lang="fr-FR" dirty="0" err="1"/>
-              <a:t>decode</a:t>
-            </a:r>
-            <a:r>
-              <a:rPr lang="fr-FR" dirty="0"/>
-              <a:t>()</a:t>
-            </a:r>
-          </a:p>
-          <a:p>
-            <a:pPr lvl="1"/>
-            <a:r>
-              <a:rPr lang="fr-FR" dirty="0"/>
-              <a:t>Convertit des octets en </a:t>
-            </a:r>
-            <a:r>
-              <a:rPr lang="fr-FR" dirty="0" err="1"/>
-              <a:t>str</a:t>
-            </a:r>
-            <a:endParaRPr lang="fr-FR" dirty="0"/>
-          </a:p>
-        </p:txBody>
-      </p:sp>
-    </p:spTree>
-    <p:extLst>
-      <p:ext uri="{BB962C8B-B14F-4D97-AF65-F5344CB8AC3E}">
-        <p14:creationId xmlns:p14="http://schemas.microsoft.com/office/powerpoint/2010/main" val="1815881976"/>
       </p:ext>
     </p:extLst>
   </p:cSld>

--- a/ppt/IoT21-MicropythonSerial.pptx
+++ b/ppt/IoT21-MicropythonSerial.pptx
@@ -5094,6 +5094,25 @@
               <a:rPr lang="fr-FR" dirty="0"/>
               <a:t>import serial</a:t>
             </a:r>
+          </a:p>
+          <a:p>
+            <a:r>
+              <a:rPr lang="fr-FR" dirty="0"/>
+              <a:t>Utiliser </a:t>
+            </a:r>
+            <a:r>
+              <a:rPr lang="fr-FR" dirty="0" err="1"/>
+              <a:t>Putty</a:t>
+            </a:r>
+            <a:r>
+              <a:rPr lang="fr-FR" dirty="0"/>
+              <a:t> comme moniteur </a:t>
+            </a:r>
+            <a:r>
+              <a:rPr lang="fr-FR"/>
+              <a:t>de série</a:t>
+            </a:r>
+            <a:endParaRPr lang="fr-FR" dirty="0"/>
           </a:p>
         </p:txBody>
       </p:sp>
